--- a/毕设进度报告.pptx
+++ b/毕设进度报告.pptx
@@ -868,18 +868,7 @@
                 <a:ea typeface="+mn-ea"/>
                 <a:cs typeface="+mn-cs"/>
               </a:rPr>
-              <a:t>, Turkey</a:t>
-            </a:r>
-            <a:r>
-              <a:rPr lang="en-US" sz="1200" b="0" i="0" kern="1200" dirty="0" smtClean="0">
-                <a:solidFill>
-                  <a:schemeClr val="tx1"/>
-                </a:solidFill>
-                <a:latin typeface="+mn-lt"/>
-                <a:ea typeface="+mn-ea"/>
-                <a:cs typeface="+mn-cs"/>
-              </a:rPr>
-              <a:t>.</a:t>
+              <a:t>, Turkey.</a:t>
             </a:r>
           </a:p>
           <a:p>
@@ -1393,18 +1382,7 @@
                 <a:ea typeface="+mn-ea"/>
                 <a:cs typeface="+mn-cs"/>
               </a:rPr>
-              <a:t>, Turkey</a:t>
-            </a:r>
-            <a:r>
-              <a:rPr lang="en-US" sz="1200" b="0" i="0" kern="1200" dirty="0" smtClean="0">
-                <a:solidFill>
-                  <a:schemeClr val="tx1"/>
-                </a:solidFill>
-                <a:latin typeface="+mn-lt"/>
-                <a:ea typeface="+mn-ea"/>
-                <a:cs typeface="+mn-cs"/>
-              </a:rPr>
-              <a:t>.</a:t>
+              <a:t>, Turkey.</a:t>
             </a:r>
           </a:p>
           <a:p>
@@ -6756,7 +6734,7 @@
           <p:nvPr>
             <p:extLst>
               <p:ext uri="{D42A27DB-BD31-4B8C-83A1-F6EECF244321}">
-                <p14:modId xmlns:p14="http://schemas.microsoft.com/office/powerpoint/2010/main" val="3484831912"/>
+                <p14:modId xmlns:p14="http://schemas.microsoft.com/office/powerpoint/2010/main" val="2834019790"/>
               </p:ext>
             </p:extLst>
           </p:nvPr>
@@ -8260,8 +8238,8 @@
                     <a:lstStyle/>
                     <a:p>
                       <a:r>
-                        <a:rPr lang="en-US" altLang="zh-CN" sz="1400" dirty="0" smtClean="0"/>
-                        <a:t>0.69323</a:t>
+                        <a:rPr lang="en-US" altLang="zh-CN" sz="1400" smtClean="0"/>
+                        <a:t>0.6932</a:t>
                       </a:r>
                       <a:endParaRPr lang="zh-CN" altLang="en-US" sz="1400" dirty="0"/>
                     </a:p>
